--- a/软维组工作汇报/汇报PPT/RA工作汇报_2016-08-15.pptx
+++ b/软维组工作汇报/汇报PPT/RA工作汇报_2016-08-15.pptx
@@ -5,7 +5,7 @@
     <p:sldMasterId id="2147483660" r:id="rId1"/>
   </p:sldMasterIdLst>
   <p:notesMasterIdLst>
-    <p:notesMasterId r:id="rId15"/>
+    <p:notesMasterId r:id="rId14"/>
   </p:notesMasterIdLst>
   <p:sldIdLst>
     <p:sldId id="256" r:id="rId2"/>
@@ -13,14 +13,13 @@
     <p:sldId id="271" r:id="rId4"/>
     <p:sldId id="265" r:id="rId5"/>
     <p:sldId id="259" r:id="rId6"/>
-    <p:sldId id="269" r:id="rId7"/>
-    <p:sldId id="258" r:id="rId8"/>
-    <p:sldId id="273" r:id="rId9"/>
-    <p:sldId id="270" r:id="rId10"/>
-    <p:sldId id="260" r:id="rId11"/>
-    <p:sldId id="266" r:id="rId12"/>
-    <p:sldId id="267" r:id="rId13"/>
-    <p:sldId id="264" r:id="rId14"/>
+    <p:sldId id="258" r:id="rId7"/>
+    <p:sldId id="273" r:id="rId8"/>
+    <p:sldId id="270" r:id="rId9"/>
+    <p:sldId id="260" r:id="rId10"/>
+    <p:sldId id="266" r:id="rId11"/>
+    <p:sldId id="267" r:id="rId12"/>
+    <p:sldId id="264" r:id="rId13"/>
   </p:sldIdLst>
   <p:sldSz cx="12192000" cy="6858000"/>
   <p:notesSz cx="6858000" cy="9144000"/>
@@ -121,7 +120,7 @@
   </p:defaultTextStyle>
   <p:extLst>
     <p:ext uri="{EFAFB233-063F-42B5-8137-9DF3F51BA10A}">
-      <p15:sldGuideLst xmlns:p15="http://schemas.microsoft.com/office/powerpoint/2012/main" xmlns="">
+      <p15:sldGuideLst xmlns="" xmlns:p15="http://schemas.microsoft.com/office/powerpoint/2012/main">
         <p15:guide id="1" orient="horz" pos="2160">
           <p15:clr>
             <a:srgbClr val="A4A3A4"/>
@@ -857,34 +856,34 @@
                   <c:v>0.29829861111111111</c:v>
                 </c:pt>
                 <c:pt idx="1">
-                  <c:v>0.39719907407407412</c:v>
+                  <c:v>0.39719907407407418</c:v>
                 </c:pt>
                 <c:pt idx="2">
-                  <c:v>0.23009259259259265</c:v>
+                  <c:v>0.23009259259259271</c:v>
                 </c:pt>
                 <c:pt idx="3">
-                  <c:v>0.22273148148148153</c:v>
+                  <c:v>0.22273148148148159</c:v>
                 </c:pt>
                 <c:pt idx="4">
-                  <c:v>0.23421296296296301</c:v>
+                  <c:v>0.23421296296296304</c:v>
                 </c:pt>
                 <c:pt idx="5">
-                  <c:v>0.24209490740740744</c:v>
+                  <c:v>0.24209490740740747</c:v>
                 </c:pt>
                 <c:pt idx="6">
-                  <c:v>0.52052083333333343</c:v>
+                  <c:v>0.52052083333333354</c:v>
                 </c:pt>
                 <c:pt idx="7">
-                  <c:v>0.61475694444444451</c:v>
+                  <c:v>0.61475694444444462</c:v>
                 </c:pt>
                 <c:pt idx="8">
                   <c:v>0.23175925925925925</c:v>
                 </c:pt>
                 <c:pt idx="9">
-                  <c:v>0.25481481481481494</c:v>
+                  <c:v>0.25481481481481505</c:v>
                 </c:pt>
                 <c:pt idx="10">
-                  <c:v>0.21978009259259268</c:v>
+                  <c:v>0.21978009259259276</c:v>
                 </c:pt>
                 <c:pt idx="11">
                   <c:v>0.20815972222222223</c:v>
@@ -893,7 +892,7 @@
                   <c:v>0.22761574074074076</c:v>
                 </c:pt>
                 <c:pt idx="13">
-                  <c:v>0.22792824074074075</c:v>
+                  <c:v>0.22792824074074078</c:v>
                 </c:pt>
                 <c:pt idx="14">
                   <c:v>0.2260648148148148</c:v>
@@ -902,7 +901,7 @@
                   <c:v>0.23894675925925926</c:v>
                 </c:pt>
                 <c:pt idx="16">
-                  <c:v>0.22238425925925925</c:v>
+                  <c:v>0.22238425925925923</c:v>
                 </c:pt>
                 <c:pt idx="17">
                   <c:v>0.21465277777777778</c:v>
@@ -911,28 +910,28 @@
                   <c:v>0.22918981481481482</c:v>
                 </c:pt>
                 <c:pt idx="19">
-                  <c:v>0.21949074074074076</c:v>
+                  <c:v>0.21949074074074079</c:v>
                 </c:pt>
                 <c:pt idx="20">
-                  <c:v>0.21997685185185192</c:v>
+                  <c:v>0.21997685185185195</c:v>
                 </c:pt>
                 <c:pt idx="21">
-                  <c:v>0.36490740740740746</c:v>
+                  <c:v>0.36490740740740751</c:v>
                 </c:pt>
                 <c:pt idx="22">
                   <c:v>0.4656481481481482</c:v>
                 </c:pt>
                 <c:pt idx="23">
-                  <c:v>0.26953703703703696</c:v>
+                  <c:v>0.26953703703703691</c:v>
                 </c:pt>
                 <c:pt idx="24">
                   <c:v>0.26351851851851854</c:v>
                 </c:pt>
                 <c:pt idx="25">
-                  <c:v>0.24827546296296299</c:v>
+                  <c:v>0.24827546296296302</c:v>
                 </c:pt>
                 <c:pt idx="26">
-                  <c:v>0.25923611111111106</c:v>
+                  <c:v>0.259236111111111</c:v>
                 </c:pt>
                 <c:pt idx="27">
                   <c:v>0.26876157407407408</c:v>
@@ -947,103 +946,103 @@
                   <c:v>0.50946759259259267</c:v>
                 </c:pt>
                 <c:pt idx="31">
-                  <c:v>0.22775462962962961</c:v>
+                  <c:v>0.22775462962962958</c:v>
                 </c:pt>
                 <c:pt idx="32">
                   <c:v>0.37570601851851854</c:v>
                 </c:pt>
                 <c:pt idx="33">
-                  <c:v>0.26777777777777784</c:v>
+                  <c:v>0.26777777777777789</c:v>
                 </c:pt>
                 <c:pt idx="34">
-                  <c:v>0.28750000000000009</c:v>
+                  <c:v>0.28750000000000014</c:v>
                 </c:pt>
                 <c:pt idx="35">
-                  <c:v>0.30027777777777787</c:v>
+                  <c:v>0.30027777777777792</c:v>
                 </c:pt>
                 <c:pt idx="36">
-                  <c:v>0.24828703703703708</c:v>
+                  <c:v>0.24828703703703714</c:v>
                 </c:pt>
                 <c:pt idx="37">
                   <c:v>0.42504629629629631</c:v>
                 </c:pt>
                 <c:pt idx="38">
-                  <c:v>0.237337962962963</c:v>
+                  <c:v>0.23733796296296303</c:v>
                 </c:pt>
                 <c:pt idx="39">
                   <c:v>0.20751157407407406</c:v>
                 </c:pt>
                 <c:pt idx="40">
-                  <c:v>0.21452546296296299</c:v>
+                  <c:v>0.21452546296296301</c:v>
                 </c:pt>
                 <c:pt idx="41">
-                  <c:v>0.21273148148148155</c:v>
+                  <c:v>0.21273148148148163</c:v>
                 </c:pt>
                 <c:pt idx="42">
                   <c:v>0.2111226851851852</c:v>
                 </c:pt>
                 <c:pt idx="43">
-                  <c:v>0.21685185185185188</c:v>
+                  <c:v>0.21685185185185191</c:v>
                 </c:pt>
                 <c:pt idx="44">
-                  <c:v>0.2407870370370371</c:v>
+                  <c:v>0.24078703703703716</c:v>
                 </c:pt>
                 <c:pt idx="45">
-                  <c:v>0.23208333333333336</c:v>
+                  <c:v>0.23208333333333339</c:v>
                 </c:pt>
                 <c:pt idx="46">
-                  <c:v>0.22579861111111113</c:v>
+                  <c:v>0.22579861111111116</c:v>
                 </c:pt>
                 <c:pt idx="47">
-                  <c:v>0.21421296296296302</c:v>
+                  <c:v>0.21421296296296308</c:v>
                 </c:pt>
                 <c:pt idx="48">
-                  <c:v>0.2259953703703704</c:v>
+                  <c:v>0.22599537037037043</c:v>
                 </c:pt>
                 <c:pt idx="49">
-                  <c:v>0.34456018518518522</c:v>
+                  <c:v>0.34456018518518527</c:v>
                 </c:pt>
                 <c:pt idx="50">
-                  <c:v>0.37438657407407427</c:v>
+                  <c:v>0.37438657407407444</c:v>
                 </c:pt>
                 <c:pt idx="51">
-                  <c:v>0.21756944444444451</c:v>
+                  <c:v>0.21756944444444457</c:v>
                 </c:pt>
                 <c:pt idx="52">
                   <c:v>0.20563657407407407</c:v>
                 </c:pt>
                 <c:pt idx="53">
-                  <c:v>0.23829861111111111</c:v>
+                  <c:v>0.23829861111111114</c:v>
                 </c:pt>
                 <c:pt idx="54">
-                  <c:v>0.21817129629629631</c:v>
+                  <c:v>0.21817129629629634</c:v>
                 </c:pt>
                 <c:pt idx="55">
                   <c:v>0.56269675925925922</c:v>
                 </c:pt>
                 <c:pt idx="56">
-                  <c:v>0.24424768518518522</c:v>
+                  <c:v>0.24424768518518528</c:v>
                 </c:pt>
                 <c:pt idx="57">
-                  <c:v>0.24199074074074078</c:v>
+                  <c:v>0.24199074074074081</c:v>
                 </c:pt>
                 <c:pt idx="58">
                   <c:v>0.2220138888888889</c:v>
                 </c:pt>
                 <c:pt idx="59">
-                  <c:v>0.21483796296296301</c:v>
+                  <c:v>0.21483796296296304</c:v>
                 </c:pt>
                 <c:pt idx="60">
-                  <c:v>0.21289351851851851</c:v>
+                  <c:v>0.21289351851851848</c:v>
                 </c:pt>
                 <c:pt idx="61">
-                  <c:v>0.27587962962962975</c:v>
+                  <c:v>0.27587962962962986</c:v>
                 </c:pt>
                 <c:pt idx="62">
                   <c:v>0.20288194444444443</c:v>
                 </c:pt>
                 <c:pt idx="63">
-                  <c:v>0.1821990740740741</c:v>
+                  <c:v>0.18219907407407412</c:v>
                 </c:pt>
                 <c:pt idx="64">
                   <c:v>0.16552083333333334</c:v>
@@ -1052,67 +1051,67 @@
                   <c:v>0.68721064814814825</c:v>
                 </c:pt>
                 <c:pt idx="66">
-                  <c:v>0.18973379629629636</c:v>
+                  <c:v>0.18973379629629641</c:v>
                 </c:pt>
                 <c:pt idx="67">
-                  <c:v>0.1831712962962963</c:v>
+                  <c:v>0.18317129629629633</c:v>
                 </c:pt>
                 <c:pt idx="68">
                   <c:v>0.2580439814814815</c:v>
                 </c:pt>
                 <c:pt idx="69">
-                  <c:v>0.18442129629629636</c:v>
+                  <c:v>0.18442129629629642</c:v>
                 </c:pt>
                 <c:pt idx="70">
                   <c:v>0.26111111111111113</c:v>
                 </c:pt>
                 <c:pt idx="71">
-                  <c:v>0.18706018518518525</c:v>
+                  <c:v>0.1870601851851853</c:v>
                 </c:pt>
                 <c:pt idx="72">
-                  <c:v>0.20850694444444445</c:v>
+                  <c:v>0.20850694444444448</c:v>
                 </c:pt>
                 <c:pt idx="73">
-                  <c:v>0.18848379629629636</c:v>
+                  <c:v>0.18848379629629641</c:v>
                 </c:pt>
                 <c:pt idx="74">
-                  <c:v>0.17752314814814818</c:v>
+                  <c:v>0.17752314814814821</c:v>
                 </c:pt>
                 <c:pt idx="75">
-                  <c:v>0.17950231481481485</c:v>
+                  <c:v>0.17950231481481488</c:v>
                 </c:pt>
                 <c:pt idx="76">
-                  <c:v>0.20363425925925924</c:v>
+                  <c:v>0.20363425925925921</c:v>
                 </c:pt>
                 <c:pt idx="77">
                   <c:v>0.19010416666666666</c:v>
                 </c:pt>
                 <c:pt idx="78">
-                  <c:v>0.24299768518518522</c:v>
+                  <c:v>0.24299768518518527</c:v>
                 </c:pt>
                 <c:pt idx="79">
-                  <c:v>0.35136574074074084</c:v>
+                  <c:v>0.3513657407407409</c:v>
                 </c:pt>
                 <c:pt idx="80">
-                  <c:v>0.21229166666666668</c:v>
+                  <c:v>0.21229166666666671</c:v>
                 </c:pt>
                 <c:pt idx="81">
-                  <c:v>0.20296296296296301</c:v>
+                  <c:v>0.20296296296296304</c:v>
                 </c:pt>
                 <c:pt idx="82">
                   <c:v>0.17277777777777778</c:v>
                 </c:pt>
                 <c:pt idx="83">
-                  <c:v>0.23633101851851851</c:v>
+                  <c:v>0.23633101851851848</c:v>
                 </c:pt>
                 <c:pt idx="84">
-                  <c:v>0.39297453703703716</c:v>
+                  <c:v>0.39297453703703727</c:v>
                 </c:pt>
                 <c:pt idx="85">
-                  <c:v>0.43106481481481496</c:v>
+                  <c:v>0.43106481481481507</c:v>
                 </c:pt>
                 <c:pt idx="86">
-                  <c:v>0.2899074074074075</c:v>
+                  <c:v>0.28990740740740756</c:v>
                 </c:pt>
                 <c:pt idx="87">
                   <c:v>0.22045138888888891</c:v>
@@ -1127,10 +1126,10 @@
                   <c:v>0.18995370370370371</c:v>
                 </c:pt>
                 <c:pt idx="91">
-                  <c:v>0.19616898148148149</c:v>
+                  <c:v>0.19616898148148151</c:v>
                 </c:pt>
                 <c:pt idx="92">
-                  <c:v>0.33663194444444455</c:v>
+                  <c:v>0.33663194444444461</c:v>
                 </c:pt>
                 <c:pt idx="93">
                   <c:v>0.1846875</c:v>
@@ -1139,34 +1138,34 @@
                   <c:v>0.16980324074074074</c:v>
                 </c:pt>
                 <c:pt idx="95">
-                  <c:v>0.19019675925925925</c:v>
+                  <c:v>0.19019675925925922</c:v>
                 </c:pt>
                 <c:pt idx="96">
-                  <c:v>0.20440972222222226</c:v>
+                  <c:v>0.20440972222222228</c:v>
                 </c:pt>
                 <c:pt idx="97">
-                  <c:v>0.17875000000000002</c:v>
+                  <c:v>0.17875000000000005</c:v>
                 </c:pt>
                 <c:pt idx="98">
-                  <c:v>0.17549768518518524</c:v>
+                  <c:v>0.17549768518518527</c:v>
                 </c:pt>
                 <c:pt idx="99">
-                  <c:v>0.27126157407407414</c:v>
+                  <c:v>0.2712615740740742</c:v>
                 </c:pt>
                 <c:pt idx="100">
-                  <c:v>0.18109953703703707</c:v>
+                  <c:v>0.18109953703703713</c:v>
                 </c:pt>
                 <c:pt idx="101">
-                  <c:v>0.18581018518518524</c:v>
+                  <c:v>0.18581018518518527</c:v>
                 </c:pt>
                 <c:pt idx="102">
-                  <c:v>0.20196759259259264</c:v>
+                  <c:v>0.2019675925925927</c:v>
                 </c:pt>
                 <c:pt idx="103">
-                  <c:v>0.18140046296296303</c:v>
+                  <c:v>0.18140046296296308</c:v>
                 </c:pt>
                 <c:pt idx="104">
-                  <c:v>0.17474537037037044</c:v>
+                  <c:v>0.17474537037037047</c:v>
                 </c:pt>
                 <c:pt idx="105">
                   <c:v>0.1700578703703704</c:v>
@@ -1178,40 +1177,40 @@
                   <c:v>0.19059027777777779</c:v>
                 </c:pt>
                 <c:pt idx="108">
-                  <c:v>0.15707175925925923</c:v>
+                  <c:v>0.1570717592592592</c:v>
                 </c:pt>
                 <c:pt idx="109">
-                  <c:v>0.17236111111111113</c:v>
+                  <c:v>0.17236111111111116</c:v>
                 </c:pt>
                 <c:pt idx="110">
-                  <c:v>0.16898148148148154</c:v>
+                  <c:v>0.16898148148148159</c:v>
                 </c:pt>
                 <c:pt idx="111">
-                  <c:v>0.1721759259259259</c:v>
+                  <c:v>0.17217592592592587</c:v>
                 </c:pt>
                 <c:pt idx="112">
                   <c:v>0.17152777777777775</c:v>
                 </c:pt>
                 <c:pt idx="113">
-                  <c:v>0.23113425925925923</c:v>
+                  <c:v>0.23113425925925921</c:v>
                 </c:pt>
                 <c:pt idx="114">
-                  <c:v>0.22582175925925921</c:v>
+                  <c:v>0.22582175925925915</c:v>
                 </c:pt>
                 <c:pt idx="115">
-                  <c:v>0.19271990740740744</c:v>
+                  <c:v>0.19271990740740746</c:v>
                 </c:pt>
                 <c:pt idx="116">
-                  <c:v>0.21444444444444449</c:v>
+                  <c:v>0.21444444444444455</c:v>
                 </c:pt>
                 <c:pt idx="117">
-                  <c:v>0.22673611111111114</c:v>
+                  <c:v>0.22673611111111117</c:v>
                 </c:pt>
                 <c:pt idx="118">
-                  <c:v>0.38060185185185191</c:v>
+                  <c:v>0.38060185185185197</c:v>
                 </c:pt>
                 <c:pt idx="119">
-                  <c:v>0.26733796296296303</c:v>
+                  <c:v>0.26733796296296314</c:v>
                 </c:pt>
                 <c:pt idx="120">
                   <c:v>0.22211805555555555</c:v>
@@ -1220,49 +1219,49 @@
                   <c:v>0.23310185185185184</c:v>
                 </c:pt>
                 <c:pt idx="122">
-                  <c:v>0.21783564814814818</c:v>
+                  <c:v>0.21783564814814821</c:v>
                 </c:pt>
                 <c:pt idx="123">
-                  <c:v>0.21651620370370372</c:v>
+                  <c:v>0.21651620370370375</c:v>
                 </c:pt>
                 <c:pt idx="124">
-                  <c:v>0.63366898148148154</c:v>
+                  <c:v>0.63366898148148165</c:v>
                 </c:pt>
                 <c:pt idx="125">
-                  <c:v>0.22668981481481476</c:v>
+                  <c:v>0.22668981481481473</c:v>
                 </c:pt>
                 <c:pt idx="126">
-                  <c:v>0.23827546296296298</c:v>
+                  <c:v>0.23827546296296301</c:v>
                 </c:pt>
                 <c:pt idx="127">
-                  <c:v>0.22368055555555552</c:v>
+                  <c:v>0.22368055555555549</c:v>
                 </c:pt>
                 <c:pt idx="128">
                   <c:v>0.2096412037037037</c:v>
                 </c:pt>
                 <c:pt idx="129">
-                  <c:v>0.20593750000000002</c:v>
+                  <c:v>0.20593750000000005</c:v>
                 </c:pt>
                 <c:pt idx="130">
-                  <c:v>0.21209490740740744</c:v>
+                  <c:v>0.21209490740740747</c:v>
                 </c:pt>
                 <c:pt idx="131">
-                  <c:v>0.21271990740740745</c:v>
+                  <c:v>0.21271990740740751</c:v>
                 </c:pt>
                 <c:pt idx="132">
-                  <c:v>0.42085648148148153</c:v>
+                  <c:v>0.42085648148148164</c:v>
                 </c:pt>
                 <c:pt idx="133">
                   <c:v>0.23916666666666669</c:v>
                 </c:pt>
                 <c:pt idx="134">
-                  <c:v>0.25171296296296303</c:v>
+                  <c:v>0.25171296296296314</c:v>
                 </c:pt>
                 <c:pt idx="135">
                   <c:v>0.20162037037037039</c:v>
                 </c:pt>
                 <c:pt idx="136">
-                  <c:v>0.20552083333333337</c:v>
+                  <c:v>0.2055208333333334</c:v>
                 </c:pt>
                 <c:pt idx="137">
                   <c:v>0.20842592592592593</c:v>
@@ -1271,10 +1270,10 @@
                   <c:v>0.18712962962962965</c:v>
                 </c:pt>
                 <c:pt idx="139">
-                  <c:v>0.20059027777777783</c:v>
+                  <c:v>0.20059027777777785</c:v>
                 </c:pt>
                 <c:pt idx="140">
-                  <c:v>0.18949074074074082</c:v>
+                  <c:v>0.18949074074074088</c:v>
                 </c:pt>
                 <c:pt idx="141">
                   <c:v>0.17336805555555559</c:v>
@@ -1283,19 +1282,19 @@
                   <c:v>0.1799537037037037</c:v>
                 </c:pt>
                 <c:pt idx="143">
-                  <c:v>0.17678240740740744</c:v>
+                  <c:v>0.17678240740740747</c:v>
                 </c:pt>
                 <c:pt idx="144">
                   <c:v>0.18168981481481483</c:v>
                 </c:pt>
                 <c:pt idx="145">
-                  <c:v>0.17259259259259266</c:v>
+                  <c:v>0.17259259259259271</c:v>
                 </c:pt>
                 <c:pt idx="146">
                   <c:v>0.16888888888888889</c:v>
                 </c:pt>
                 <c:pt idx="147">
-                  <c:v>0.1658796296296296</c:v>
+                  <c:v>0.16587962962962957</c:v>
                 </c:pt>
                 <c:pt idx="148">
                   <c:v>0.21517361111111111</c:v>
@@ -1307,19 +1306,19 @@
                   <c:v>0.35567129629629635</c:v>
                 </c:pt>
                 <c:pt idx="151">
-                  <c:v>0.20221064814814818</c:v>
+                  <c:v>0.20221064814814821</c:v>
                 </c:pt>
                 <c:pt idx="152">
-                  <c:v>0.20547453703703705</c:v>
+                  <c:v>0.20547453703703708</c:v>
                 </c:pt>
                 <c:pt idx="153">
                   <c:v>0.18275462962962963</c:v>
                 </c:pt>
                 <c:pt idx="154">
-                  <c:v>0.17795138888888892</c:v>
+                  <c:v>0.17795138888888895</c:v>
                 </c:pt>
                 <c:pt idx="155">
-                  <c:v>0.18865740740740744</c:v>
+                  <c:v>0.18865740740740747</c:v>
                 </c:pt>
                 <c:pt idx="156">
                   <c:v>0.17406250000000001</c:v>
@@ -1328,7 +1327,7 @@
                   <c:v>0.17306712962962964</c:v>
                 </c:pt>
                 <c:pt idx="158">
-                  <c:v>0.17115740740740742</c:v>
+                  <c:v>0.17115740740740745</c:v>
                 </c:pt>
                 <c:pt idx="159">
                   <c:v>0.19056712962962963</c:v>
@@ -1337,7 +1336,7 @@
                   <c:v>0.24363425925925927</c:v>
                 </c:pt>
                 <c:pt idx="161">
-                  <c:v>0.22140046296296301</c:v>
+                  <c:v>0.22140046296296303</c:v>
                 </c:pt>
                 <c:pt idx="162">
                   <c:v>0.20788194444444444</c:v>
@@ -1346,16 +1345,16 @@
                   <c:v>0.18638888888888891</c:v>
                 </c:pt>
                 <c:pt idx="164">
-                  <c:v>0.18690972222222224</c:v>
+                  <c:v>0.18690972222222227</c:v>
                 </c:pt>
                 <c:pt idx="165">
-                  <c:v>0.1823495370370371</c:v>
+                  <c:v>0.18234953703703716</c:v>
                 </c:pt>
                 <c:pt idx="166">
-                  <c:v>0.17843750000000003</c:v>
+                  <c:v>0.17843750000000005</c:v>
                 </c:pt>
                 <c:pt idx="167">
-                  <c:v>0.18540509259259269</c:v>
+                  <c:v>0.18540509259259277</c:v>
                 </c:pt>
                 <c:pt idx="168">
                   <c:v>0.23557870370370368</c:v>
@@ -1364,67 +1363,67 @@
                   <c:v>0.21650462962962966</c:v>
                 </c:pt>
                 <c:pt idx="170">
-                  <c:v>0.19192129629629631</c:v>
+                  <c:v>0.19192129629629634</c:v>
                 </c:pt>
                 <c:pt idx="171">
-                  <c:v>0.18409722222222227</c:v>
+                  <c:v>0.18409722222222233</c:v>
                 </c:pt>
                 <c:pt idx="172">
                   <c:v>0.18519675925925927</c:v>
                 </c:pt>
                 <c:pt idx="173">
-                  <c:v>0.19081018518518522</c:v>
+                  <c:v>0.19081018518518525</c:v>
                 </c:pt>
                 <c:pt idx="174">
-                  <c:v>0.22924768518518523</c:v>
+                  <c:v>0.22924768518518526</c:v>
                 </c:pt>
                 <c:pt idx="175">
                   <c:v>0.19820601851851852</c:v>
                 </c:pt>
                 <c:pt idx="176">
-                  <c:v>0.19446759259259264</c:v>
+                  <c:v>0.19446759259259269</c:v>
                 </c:pt>
                 <c:pt idx="177">
-                  <c:v>0.31376157407407412</c:v>
+                  <c:v>0.31376157407407418</c:v>
                 </c:pt>
                 <c:pt idx="178">
                   <c:v>0.19037037037037038</c:v>
                 </c:pt>
                 <c:pt idx="179">
-                  <c:v>0.21149305555555559</c:v>
+                  <c:v>0.21149305555555561</c:v>
                 </c:pt>
                 <c:pt idx="180">
-                  <c:v>0.19949074074074075</c:v>
+                  <c:v>0.19949074074074077</c:v>
                 </c:pt>
                 <c:pt idx="181">
-                  <c:v>0.21375000000000002</c:v>
+                  <c:v>0.21375000000000005</c:v>
                 </c:pt>
                 <c:pt idx="182">
-                  <c:v>0.27820601851851845</c:v>
+                  <c:v>0.27820601851851839</c:v>
                 </c:pt>
                 <c:pt idx="183">
                   <c:v>0.20526620370370371</c:v>
                 </c:pt>
                 <c:pt idx="184">
-                  <c:v>0.20096064814814818</c:v>
+                  <c:v>0.20096064814814821</c:v>
                 </c:pt>
                 <c:pt idx="185">
-                  <c:v>0.19364583333333335</c:v>
+                  <c:v>0.19364583333333338</c:v>
                 </c:pt>
                 <c:pt idx="186">
-                  <c:v>0.20252314814814815</c:v>
+                  <c:v>0.20252314814814817</c:v>
                 </c:pt>
                 <c:pt idx="187">
                   <c:v>0.22181712962962963</c:v>
                 </c:pt>
                 <c:pt idx="188">
-                  <c:v>0.21401620370370372</c:v>
+                  <c:v>0.21401620370370375</c:v>
                 </c:pt>
                 <c:pt idx="189">
-                  <c:v>0.2135995370370371</c:v>
+                  <c:v>0.21359953703703716</c:v>
                 </c:pt>
                 <c:pt idx="190">
-                  <c:v>0.20706018518518524</c:v>
+                  <c:v>0.20706018518518526</c:v>
                 </c:pt>
                 <c:pt idx="191">
                   <c:v>0.20037037037037039</c:v>
@@ -1433,10 +1432,10 @@
                   <c:v>0.2000578703703704</c:v>
                 </c:pt>
                 <c:pt idx="193">
-                  <c:v>0.19476851851851848</c:v>
+                  <c:v>0.19476851851851845</c:v>
                 </c:pt>
                 <c:pt idx="194">
-                  <c:v>0.19754629629629636</c:v>
+                  <c:v>0.19754629629629641</c:v>
                 </c:pt>
                 <c:pt idx="195">
                   <c:v>0.19675925925925927</c:v>
@@ -1445,7 +1444,7 @@
                   <c:v>0.22372685185185184</c:v>
                 </c:pt>
                 <c:pt idx="197">
-                  <c:v>0.19334490740740742</c:v>
+                  <c:v>0.19334490740740745</c:v>
                 </c:pt>
                 <c:pt idx="198">
                   <c:v>0.2022916666666667</c:v>
@@ -1457,10 +1456,10 @@
                   <c:v>0.20675925925925928</c:v>
                 </c:pt>
                 <c:pt idx="201">
-                  <c:v>0.17083333333333334</c:v>
+                  <c:v>0.17083333333333336</c:v>
                 </c:pt>
                 <c:pt idx="202">
-                  <c:v>0.18192129629629636</c:v>
+                  <c:v>0.18192129629629641</c:v>
                 </c:pt>
                 <c:pt idx="203">
                   <c:v>0.29195601851851855</c:v>
@@ -1469,61 +1468,61 @@
                   <c:v>0.21214120370370371</c:v>
                 </c:pt>
                 <c:pt idx="205">
-                  <c:v>0.19646990740740744</c:v>
+                  <c:v>0.19646990740740747</c:v>
                 </c:pt>
                 <c:pt idx="206">
-                  <c:v>0.18723379629629636</c:v>
+                  <c:v>0.18723379629629641</c:v>
                 </c:pt>
                 <c:pt idx="207">
-                  <c:v>0.18456018518518522</c:v>
+                  <c:v>0.18456018518518527</c:v>
                 </c:pt>
                 <c:pt idx="208">
-                  <c:v>0.20116898148148149</c:v>
+                  <c:v>0.20116898148148152</c:v>
                 </c:pt>
                 <c:pt idx="209">
-                  <c:v>0.21533564814814815</c:v>
+                  <c:v>0.21533564814814818</c:v>
                 </c:pt>
                 <c:pt idx="210">
-                  <c:v>0.3174305555555556</c:v>
+                  <c:v>0.31743055555555566</c:v>
                 </c:pt>
                 <c:pt idx="211">
-                  <c:v>0.29390046296296307</c:v>
+                  <c:v>0.29390046296296318</c:v>
                 </c:pt>
                 <c:pt idx="212">
                   <c:v>0.25310185185185186</c:v>
                 </c:pt>
                 <c:pt idx="213">
-                  <c:v>0.28151620370370384</c:v>
+                  <c:v>0.28151620370370389</c:v>
                 </c:pt>
                 <c:pt idx="214">
-                  <c:v>0.36813657407407413</c:v>
+                  <c:v>0.36813657407407424</c:v>
                 </c:pt>
                 <c:pt idx="215">
-                  <c:v>0.27097222222222234</c:v>
+                  <c:v>0.27097222222222239</c:v>
                 </c:pt>
                 <c:pt idx="216">
-                  <c:v>0.32684027777777791</c:v>
+                  <c:v>0.32684027777777802</c:v>
                 </c:pt>
                 <c:pt idx="217">
-                  <c:v>0.22784722222222226</c:v>
+                  <c:v>0.22784722222222228</c:v>
                 </c:pt>
                 <c:pt idx="218">
-                  <c:v>0.24526620370370372</c:v>
+                  <c:v>0.24526620370370375</c:v>
                 </c:pt>
                 <c:pt idx="219">
                   <c:v>0.24589120370370371</c:v>
                 </c:pt>
                 <c:pt idx="220">
-                  <c:v>0.2173495370370371</c:v>
+                  <c:v>0.21734953703703716</c:v>
                 </c:pt>
                 <c:pt idx="221">
-                  <c:v>0.30563657407407413</c:v>
+                  <c:v>0.30563657407407424</c:v>
                 </c:pt>
                 <c:pt idx="222">
                   <c:v>0.24680555555555558</c:v>
                 </c:pt>
                 <c:pt idx="223">
-                  <c:v>0.24809027777777781</c:v>
+                  <c:v>0.24809027777777784</c:v>
                 </c:pt>
                 <c:pt idx="224">
                   <c:v>0.34670138888888885</c:v>
@@ -1532,27 +1531,26 @@
             </c:numRef>
           </c:val>
         </c:ser>
-        <c:dLbls/>
         <c:marker val="1"/>
-        <c:axId val="69563904"/>
-        <c:axId val="70138112"/>
+        <c:axId val="71284224"/>
+        <c:axId val="71285760"/>
       </c:lineChart>
       <c:dateAx>
-        <c:axId val="69563904"/>
+        <c:axId val="71284224"/>
         <c:scaling>
           <c:orientation val="minMax"/>
         </c:scaling>
         <c:axPos val="b"/>
         <c:numFmt formatCode="yyyy\/m\/d" sourceLinked="1"/>
         <c:tickLblPos val="nextTo"/>
-        <c:crossAx val="70138112"/>
+        <c:crossAx val="71285760"/>
         <c:crosses val="autoZero"/>
         <c:auto val="1"/>
         <c:lblOffset val="100"/>
         <c:baseTimeUnit val="days"/>
       </c:dateAx>
       <c:valAx>
-        <c:axId val="70138112"/>
+        <c:axId val="71285760"/>
         <c:scaling>
           <c:orientation val="minMax"/>
         </c:scaling>
@@ -1560,7 +1558,7 @@
         <c:majorGridlines/>
         <c:numFmt formatCode="h:mm:ss" sourceLinked="1"/>
         <c:tickLblPos val="nextTo"/>
-        <c:crossAx val="69563904"/>
+        <c:crossAx val="71284224"/>
         <c:crosses val="autoZero"/>
         <c:crossBetween val="between"/>
       </c:valAx>
@@ -1578,6 +1576,7 @@
 
 <file path=ppt/charts/chart2.xml><?xml version="1.0" encoding="utf-8"?>
 <c:chartSpace xmlns:c="http://schemas.openxmlformats.org/drawingml/2006/chart" xmlns:a="http://schemas.openxmlformats.org/drawingml/2006/main" xmlns:r="http://schemas.openxmlformats.org/officeDocument/2006/relationships">
+  <c:date1904 val="1"/>
   <c:lang val="zh-CN"/>
   <c:chart>
     <c:title>
@@ -1897,10 +1896,10 @@
         <c:manualLayout>
           <c:xMode val="edge"/>
           <c:yMode val="edge"/>
-          <c:x val="0.11546552864098097"/>
-          <c:y val="0.12077095829033987"/>
-          <c:w val="0.76906894271803827"/>
-          <c:h val="0.32400553995221526"/>
+          <c:x val="0.11546552864098099"/>
+          <c:y val="0.12077095829033989"/>
+          <c:w val="0.76906894271803838"/>
+          <c:h val="0.32400553995221537"/>
         </c:manualLayout>
       </c:layout>
       <c:txPr>
@@ -2226,7 +2225,7 @@
             <a:fld id="{B1DE5C37-F50D-4337-B44E-F4BD8C57ABEA}" type="datetimeFigureOut">
               <a:rPr lang="zh-CN" altLang="en-US" smtClean="0"/>
               <a:pPr/>
-              <a:t>2016/8/15</a:t>
+              <a:t>2016/8/16</a:t>
             </a:fld>
             <a:endParaRPr lang="zh-CN" altLang="en-US"/>
           </a:p>
@@ -2397,7 +2396,7 @@
     </p:spTree>
     <p:extLst>
       <p:ext uri="{BB962C8B-B14F-4D97-AF65-F5344CB8AC3E}">
-        <p14:creationId xmlns:p14="http://schemas.microsoft.com/office/powerpoint/2010/main" xmlns="" val="2445124731"/>
+        <p14:creationId xmlns="" xmlns:p14="http://schemas.microsoft.com/office/powerpoint/2010/main" val="2445124731"/>
       </p:ext>
     </p:extLst>
   </p:cSld>
@@ -2597,7 +2596,7 @@
                 <a:latin typeface="Arial" charset="0"/>
               </a:rPr>
               <a:pPr/>
-              <a:t>13</a:t>
+              <a:t>12</a:t>
             </a:fld>
             <a:endParaRPr lang="zh-CN" altLang="en-US" smtClean="0">
               <a:latin typeface="Arial" charset="0"/>
@@ -2608,7 +2607,7 @@
     </p:spTree>
     <p:extLst>
       <p:ext uri="{BB962C8B-B14F-4D97-AF65-F5344CB8AC3E}">
-        <p14:creationId xmlns:p14="http://schemas.microsoft.com/office/powerpoint/2010/main" xmlns="" val="1883890141"/>
+        <p14:creationId xmlns="" xmlns:p14="http://schemas.microsoft.com/office/powerpoint/2010/main" val="1883890141"/>
       </p:ext>
     </p:extLst>
   </p:cSld>
@@ -4388,7 +4387,7 @@
     </p:spTree>
     <p:extLst>
       <p:ext uri="{BB962C8B-B14F-4D97-AF65-F5344CB8AC3E}">
-        <p14:creationId xmlns:p14="http://schemas.microsoft.com/office/powerpoint/2010/main" xmlns="" val="2030930386"/>
+        <p14:creationId xmlns="" xmlns:p14="http://schemas.microsoft.com/office/powerpoint/2010/main" val="2030930386"/>
       </p:ext>
     </p:extLst>
   </p:cSld>
@@ -4399,153 +4398,6 @@
 </file>
 
 <file path=ppt/slides/slide10.xml><?xml version="1.0" encoding="utf-8"?>
-<p:sld xmlns:a="http://schemas.openxmlformats.org/drawingml/2006/main" xmlns:r="http://schemas.openxmlformats.org/officeDocument/2006/relationships" xmlns:p="http://schemas.openxmlformats.org/presentationml/2006/main">
-  <p:cSld>
-    <p:spTree>
-      <p:nvGrpSpPr>
-        <p:cNvPr id="1" name=""/>
-        <p:cNvGrpSpPr/>
-        <p:nvPr/>
-      </p:nvGrpSpPr>
-      <p:grpSpPr>
-        <a:xfrm>
-          <a:off x="0" y="0"/>
-          <a:ext cx="0" cy="0"/>
-          <a:chOff x="0" y="0"/>
-          <a:chExt cx="0" cy="0"/>
-        </a:xfrm>
-      </p:grpSpPr>
-      <p:sp>
-        <p:nvSpPr>
-          <p:cNvPr id="2" name="标题 1"/>
-          <p:cNvSpPr>
-            <a:spLocks noGrp="1"/>
-          </p:cNvSpPr>
-          <p:nvPr>
-            <p:ph type="title"/>
-          </p:nvPr>
-        </p:nvSpPr>
-        <p:spPr/>
-        <p:txBody>
-          <a:bodyPr/>
-          <a:lstStyle/>
-          <a:p>
-            <a:r>
-              <a:rPr lang="en-US" altLang="zh-CN" dirty="0" smtClean="0"/>
-              <a:t>RA</a:t>
-            </a:r>
-            <a:r>
-              <a:rPr lang="zh-CN" altLang="en-US" dirty="0" smtClean="0"/>
-              <a:t>日结存在的问题</a:t>
-            </a:r>
-            <a:endParaRPr lang="zh-CN" altLang="en-US" dirty="0"/>
-          </a:p>
-        </p:txBody>
-      </p:sp>
-      <p:sp>
-        <p:nvSpPr>
-          <p:cNvPr id="3" name="内容占位符 2"/>
-          <p:cNvSpPr>
-            <a:spLocks noGrp="1"/>
-          </p:cNvSpPr>
-          <p:nvPr>
-            <p:ph idx="1"/>
-          </p:nvPr>
-        </p:nvSpPr>
-        <p:spPr/>
-        <p:txBody>
-          <a:bodyPr/>
-          <a:lstStyle/>
-          <a:p>
-            <a:r>
-              <a:rPr lang="zh-CN" altLang="en-US" dirty="0" smtClean="0">
-                <a:solidFill>
-                  <a:srgbClr val="FF0000"/>
-                </a:solidFill>
-                <a:latin typeface="宋体" panose="02010600030101010101" pitchFamily="2" charset="-122"/>
-                <a:ea typeface="宋体" panose="02010600030101010101" pitchFamily="2" charset="-122"/>
-              </a:rPr>
-              <a:t>大</a:t>
-            </a:r>
-            <a:r>
-              <a:rPr lang="zh-CN" altLang="en-US" dirty="0" smtClean="0">
-                <a:solidFill>
-                  <a:srgbClr val="FF0000"/>
-                </a:solidFill>
-                <a:latin typeface="宋体" panose="02010600030101010101" pitchFamily="2" charset="-122"/>
-                <a:ea typeface="宋体" panose="02010600030101010101" pitchFamily="2" charset="-122"/>
-              </a:rPr>
-              <a:t>数据量业务运行时间超长。</a:t>
-            </a:r>
-            <a:endParaRPr lang="en-US" altLang="zh-CN" dirty="0" smtClean="0">
-              <a:solidFill>
-                <a:srgbClr val="FF0000"/>
-              </a:solidFill>
-              <a:latin typeface="宋体" panose="02010600030101010101" pitchFamily="2" charset="-122"/>
-              <a:ea typeface="宋体" panose="02010600030101010101" pitchFamily="2" charset="-122"/>
-            </a:endParaRPr>
-          </a:p>
-          <a:p>
-            <a:r>
-              <a:rPr lang="zh-CN" altLang="en-US" dirty="0" smtClean="0">
-                <a:solidFill>
-                  <a:srgbClr val="FF0000"/>
-                </a:solidFill>
-                <a:latin typeface="宋体" panose="02010600030101010101" pitchFamily="2" charset="-122"/>
-                <a:ea typeface="宋体" panose="02010600030101010101" pitchFamily="2" charset="-122"/>
-              </a:rPr>
-              <a:t>早上</a:t>
-            </a:r>
-            <a:r>
-              <a:rPr lang="en-US" altLang="zh-CN" dirty="0" smtClean="0">
-                <a:solidFill>
-                  <a:srgbClr val="FF0000"/>
-                </a:solidFill>
-                <a:latin typeface="宋体" panose="02010600030101010101" pitchFamily="2" charset="-122"/>
-                <a:ea typeface="宋体" panose="02010600030101010101" pitchFamily="2" charset="-122"/>
-              </a:rPr>
-              <a:t>8:20—9:00RA</a:t>
-            </a:r>
-            <a:r>
-              <a:rPr lang="zh-CN" altLang="en-US" dirty="0" smtClean="0">
-                <a:solidFill>
-                  <a:srgbClr val="FF0000"/>
-                </a:solidFill>
-                <a:latin typeface="宋体" panose="02010600030101010101" pitchFamily="2" charset="-122"/>
-                <a:ea typeface="宋体" panose="02010600030101010101" pitchFamily="2" charset="-122"/>
-              </a:rPr>
-              <a:t>使用人数出现峰值</a:t>
-            </a:r>
-            <a:r>
-              <a:rPr lang="en-US" altLang="zh-CN" dirty="0" smtClean="0">
-                <a:solidFill>
-                  <a:srgbClr val="FF0000"/>
-                </a:solidFill>
-                <a:latin typeface="宋体" panose="02010600030101010101" pitchFamily="2" charset="-122"/>
-                <a:ea typeface="宋体" panose="02010600030101010101" pitchFamily="2" charset="-122"/>
-              </a:rPr>
-              <a:t>(400+)</a:t>
-            </a:r>
-          </a:p>
-          <a:p>
-            <a:endParaRPr lang="zh-CN" altLang="en-US" dirty="0"/>
-          </a:p>
-        </p:txBody>
-      </p:sp>
-    </p:spTree>
-    <p:extLst>
-      <p:ext uri="{BB962C8B-B14F-4D97-AF65-F5344CB8AC3E}">
-        <p14:creationId xmlns:p14="http://schemas.microsoft.com/office/powerpoint/2010/main" xmlns="" val="2548660364"/>
-      </p:ext>
-    </p:extLst>
-  </p:cSld>
-  <p:clrMapOvr>
-    <a:masterClrMapping/>
-  </p:clrMapOvr>
-</p:sld>
-</file>
-
-<file path=ppt/slides/slide11.xml><?xml version="1.0" encoding="utf-8"?>
 <p:sld xmlns:a="http://schemas.openxmlformats.org/drawingml/2006/main" xmlns:r="http://schemas.openxmlformats.org/officeDocument/2006/relationships" xmlns:p="http://schemas.openxmlformats.org/presentationml/2006/main">
   <p:cSld>
     <p:spTree>
@@ -4677,7 +4529,7 @@
 </p:sld>
 </file>
 
-<file path=ppt/slides/slide12.xml><?xml version="1.0" encoding="utf-8"?>
+<file path=ppt/slides/slide11.xml><?xml version="1.0" encoding="utf-8"?>
 <p:sld xmlns:a="http://schemas.openxmlformats.org/drawingml/2006/main" xmlns:r="http://schemas.openxmlformats.org/officeDocument/2006/relationships" xmlns:p="http://schemas.openxmlformats.org/presentationml/2006/main">
   <p:cSld>
     <p:spTree>
@@ -4850,7 +4702,7 @@
 </p:sld>
 </file>
 
-<file path=ppt/slides/slide13.xml><?xml version="1.0" encoding="utf-8"?>
+<file path=ppt/slides/slide12.xml><?xml version="1.0" encoding="utf-8"?>
 <p:sld xmlns:a="http://schemas.openxmlformats.org/drawingml/2006/main" xmlns:r="http://schemas.openxmlformats.org/officeDocument/2006/relationships" xmlns:p="http://schemas.openxmlformats.org/presentationml/2006/main">
   <p:cSld>
     <p:spTree>
@@ -4879,7 +4731,7 @@
           <a:blip r:embed="rId3" cstate="print">
             <a:extLst>
               <a:ext uri="{28A0092B-C50C-407E-A947-70E740481C1C}">
-                <a14:useLocalDpi xmlns:a14="http://schemas.microsoft.com/office/drawing/2010/main" xmlns="" val="0"/>
+                <a14:useLocalDpi xmlns="" xmlns:a14="http://schemas.microsoft.com/office/drawing/2010/main" val="0"/>
               </a:ext>
             </a:extLst>
           </a:blip>
@@ -4902,14 +4754,14 @@
           </a:ln>
           <a:extLst>
             <a:ext uri="{909E8E84-426E-40DD-AFC4-6F175D3DCCD1}">
-              <a14:hiddenFill xmlns:a14="http://schemas.microsoft.com/office/drawing/2010/main" xmlns="">
+              <a14:hiddenFill xmlns="" xmlns:a14="http://schemas.microsoft.com/office/drawing/2010/main">
                 <a:solidFill>
                   <a:srgbClr val="FFFFFF"/>
                 </a:solidFill>
               </a14:hiddenFill>
             </a:ext>
             <a:ext uri="{91240B29-F687-4F45-9708-019B960494DF}">
-              <a14:hiddenLine xmlns:a14="http://schemas.microsoft.com/office/drawing/2010/main" xmlns="" w="9525">
+              <a14:hiddenLine xmlns="" xmlns:a14="http://schemas.microsoft.com/office/drawing/2010/main" w="9525">
                 <a:solidFill>
                   <a:srgbClr val="000000"/>
                 </a:solidFill>
@@ -5084,7 +4936,7 @@
               <a:pPr>
                 <a:defRPr/>
               </a:pPr>
-              <a:t>13</a:t>
+              <a:t>12</a:t>
             </a:fld>
             <a:endParaRPr lang="en-US" altLang="zh-CN"/>
           </a:p>
@@ -5172,7 +5024,7 @@
     </p:spTree>
     <p:extLst>
       <p:ext uri="{BB962C8B-B14F-4D97-AF65-F5344CB8AC3E}">
-        <p14:creationId xmlns:p14="http://schemas.microsoft.com/office/powerpoint/2010/main" xmlns="" val="3136740454"/>
+        <p14:creationId xmlns="" xmlns:p14="http://schemas.microsoft.com/office/powerpoint/2010/main" val="3136740454"/>
       </p:ext>
     </p:extLst>
   </p:cSld>
@@ -5503,7 +5355,7 @@
     </p:spTree>
     <p:extLst>
       <p:ext uri="{BB962C8B-B14F-4D97-AF65-F5344CB8AC3E}">
-        <p14:creationId xmlns:p14="http://schemas.microsoft.com/office/powerpoint/2010/main" xmlns="" val="3356381980"/>
+        <p14:creationId xmlns="" xmlns:p14="http://schemas.microsoft.com/office/powerpoint/2010/main" val="3356381980"/>
       </p:ext>
     </p:extLst>
   </p:cSld>
@@ -5574,7 +5426,7 @@
           <p:nvPr>
             <p:extLst>
               <p:ext uri="{D42A27DB-BD31-4B8C-83A1-F6EECF244321}">
-                <p14:modId xmlns:p14="http://schemas.microsoft.com/office/powerpoint/2010/main" xmlns="" val="2707223524"/>
+                <p14:modId xmlns="" xmlns:p14="http://schemas.microsoft.com/office/powerpoint/2010/main" val="2707223524"/>
               </p:ext>
             </p:extLst>
           </p:nvPr>
@@ -6078,7 +5930,7 @@
           <p:nvPr>
             <p:extLst>
               <p:ext uri="{D42A27DB-BD31-4B8C-83A1-F6EECF244321}">
-                <p14:modId xmlns:p14="http://schemas.microsoft.com/office/powerpoint/2010/main" xmlns="" val="649020966"/>
+                <p14:modId xmlns="" xmlns:p14="http://schemas.microsoft.com/office/powerpoint/2010/main" val="649020966"/>
               </p:ext>
             </p:extLst>
           </p:nvPr>
@@ -6104,7 +5956,7 @@
           <p:nvPr>
             <p:extLst>
               <p:ext uri="{D42A27DB-BD31-4B8C-83A1-F6EECF244321}">
-                <p14:modId xmlns:p14="http://schemas.microsoft.com/office/powerpoint/2010/main" xmlns="" val="2390586761"/>
+                <p14:modId xmlns="" xmlns:p14="http://schemas.microsoft.com/office/powerpoint/2010/main" val="2390586761"/>
               </p:ext>
             </p:extLst>
           </p:nvPr>
@@ -6130,7 +5982,7 @@
           <p:nvPr>
             <p:extLst>
               <p:ext uri="{D42A27DB-BD31-4B8C-83A1-F6EECF244321}">
-                <p14:modId xmlns:p14="http://schemas.microsoft.com/office/powerpoint/2010/main" xmlns="" val="3694802779"/>
+                <p14:modId xmlns="" xmlns:p14="http://schemas.microsoft.com/office/powerpoint/2010/main" val="3694802779"/>
               </p:ext>
             </p:extLst>
           </p:nvPr>
@@ -6156,7 +6008,7 @@
           <p:nvPr>
             <p:extLst>
               <p:ext uri="{D42A27DB-BD31-4B8C-83A1-F6EECF244321}">
-                <p14:modId xmlns:p14="http://schemas.microsoft.com/office/powerpoint/2010/main" xmlns="" val="3505428056"/>
+                <p14:modId xmlns="" xmlns:p14="http://schemas.microsoft.com/office/powerpoint/2010/main" val="3505428056"/>
               </p:ext>
             </p:extLst>
           </p:nvPr>
@@ -6176,7 +6028,7 @@
     </p:spTree>
     <p:extLst>
       <p:ext uri="{BB962C8B-B14F-4D97-AF65-F5344CB8AC3E}">
-        <p14:creationId xmlns:p14="http://schemas.microsoft.com/office/powerpoint/2010/main" xmlns="" val="1852646896"/>
+        <p14:creationId xmlns="" xmlns:p14="http://schemas.microsoft.com/office/powerpoint/2010/main" val="1852646896"/>
       </p:ext>
     </p:extLst>
   </p:cSld>
@@ -6187,276 +6039,6 @@
 </file>
 
 <file path=ppt/slides/slide6.xml><?xml version="1.0" encoding="utf-8"?>
-<p:sld xmlns:a="http://schemas.openxmlformats.org/drawingml/2006/main" xmlns:r="http://schemas.openxmlformats.org/officeDocument/2006/relationships" xmlns:p="http://schemas.openxmlformats.org/presentationml/2006/main">
-  <p:cSld>
-    <p:spTree>
-      <p:nvGrpSpPr>
-        <p:cNvPr id="1" name=""/>
-        <p:cNvGrpSpPr/>
-        <p:nvPr/>
-      </p:nvGrpSpPr>
-      <p:grpSpPr>
-        <a:xfrm>
-          <a:off x="0" y="0"/>
-          <a:ext cx="0" cy="0"/>
-          <a:chOff x="0" y="0"/>
-          <a:chExt cx="0" cy="0"/>
-        </a:xfrm>
-      </p:grpSpPr>
-      <p:graphicFrame>
-        <p:nvGraphicFramePr>
-          <p:cNvPr id="4" name="内容占位符 3"/>
-          <p:cNvGraphicFramePr>
-            <a:graphicFrameLocks noGrp="1"/>
-          </p:cNvGraphicFramePr>
-          <p:nvPr>
-            <p:ph idx="1"/>
-            <p:extLst>
-              <p:ext uri="{D42A27DB-BD31-4B8C-83A1-F6EECF244321}">
-                <p14:modId xmlns:p14="http://schemas.microsoft.com/office/powerpoint/2010/main" xmlns="" val="2728103663"/>
-              </p:ext>
-            </p:extLst>
-          </p:nvPr>
-        </p:nvGraphicFramePr>
-        <p:xfrm>
-          <a:off x="609600" y="1700213"/>
-          <a:ext cx="10972800" cy="1854200"/>
-        </p:xfrm>
-        <a:graphic>
-          <a:graphicData uri="http://schemas.openxmlformats.org/drawingml/2006/table">
-            <a:tbl>
-              <a:tblPr firstRow="1" bandRow="1">
-                <a:tableStyleId>{5C22544A-7EE6-4342-B048-85BDC9FD1C3A}</a:tableStyleId>
-              </a:tblPr>
-              <a:tblGrid>
-                <a:gridCol w="2743200"/>
-                <a:gridCol w="2743200"/>
-                <a:gridCol w="2743200"/>
-                <a:gridCol w="2743200"/>
-              </a:tblGrid>
-              <a:tr h="370840">
-                <a:tc>
-                  <a:txBody>
-                    <a:bodyPr/>
-                    <a:lstStyle/>
-                    <a:p>
-                      <a:endParaRPr lang="zh-CN" altLang="en-US"/>
-                    </a:p>
-                  </a:txBody>
-                  <a:tcPr/>
-                </a:tc>
-                <a:tc>
-                  <a:txBody>
-                    <a:bodyPr/>
-                    <a:lstStyle/>
-                    <a:p>
-                      <a:endParaRPr lang="zh-CN" altLang="en-US"/>
-                    </a:p>
-                  </a:txBody>
-                  <a:tcPr/>
-                </a:tc>
-                <a:tc>
-                  <a:txBody>
-                    <a:bodyPr/>
-                    <a:lstStyle/>
-                    <a:p>
-                      <a:endParaRPr lang="zh-CN" altLang="en-US"/>
-                    </a:p>
-                  </a:txBody>
-                  <a:tcPr/>
-                </a:tc>
-                <a:tc>
-                  <a:txBody>
-                    <a:bodyPr/>
-                    <a:lstStyle/>
-                    <a:p>
-                      <a:endParaRPr lang="zh-CN" altLang="en-US"/>
-                    </a:p>
-                  </a:txBody>
-                  <a:tcPr/>
-                </a:tc>
-              </a:tr>
-              <a:tr h="370840">
-                <a:tc>
-                  <a:txBody>
-                    <a:bodyPr/>
-                    <a:lstStyle/>
-                    <a:p>
-                      <a:endParaRPr lang="zh-CN" altLang="en-US"/>
-                    </a:p>
-                  </a:txBody>
-                  <a:tcPr/>
-                </a:tc>
-                <a:tc>
-                  <a:txBody>
-                    <a:bodyPr/>
-                    <a:lstStyle/>
-                    <a:p>
-                      <a:endParaRPr lang="zh-CN" altLang="en-US"/>
-                    </a:p>
-                  </a:txBody>
-                  <a:tcPr/>
-                </a:tc>
-                <a:tc>
-                  <a:txBody>
-                    <a:bodyPr/>
-                    <a:lstStyle/>
-                    <a:p>
-                      <a:endParaRPr lang="zh-CN" altLang="en-US"/>
-                    </a:p>
-                  </a:txBody>
-                  <a:tcPr/>
-                </a:tc>
-                <a:tc>
-                  <a:txBody>
-                    <a:bodyPr/>
-                    <a:lstStyle/>
-                    <a:p>
-                      <a:endParaRPr lang="zh-CN" altLang="en-US"/>
-                    </a:p>
-                  </a:txBody>
-                  <a:tcPr/>
-                </a:tc>
-              </a:tr>
-              <a:tr h="370840">
-                <a:tc>
-                  <a:txBody>
-                    <a:bodyPr/>
-                    <a:lstStyle/>
-                    <a:p>
-                      <a:endParaRPr lang="zh-CN" altLang="en-US"/>
-                    </a:p>
-                  </a:txBody>
-                  <a:tcPr/>
-                </a:tc>
-                <a:tc>
-                  <a:txBody>
-                    <a:bodyPr/>
-                    <a:lstStyle/>
-                    <a:p>
-                      <a:endParaRPr lang="zh-CN" altLang="en-US"/>
-                    </a:p>
-                  </a:txBody>
-                  <a:tcPr/>
-                </a:tc>
-                <a:tc>
-                  <a:txBody>
-                    <a:bodyPr/>
-                    <a:lstStyle/>
-                    <a:p>
-                      <a:endParaRPr lang="zh-CN" altLang="en-US"/>
-                    </a:p>
-                  </a:txBody>
-                  <a:tcPr/>
-                </a:tc>
-                <a:tc>
-                  <a:txBody>
-                    <a:bodyPr/>
-                    <a:lstStyle/>
-                    <a:p>
-                      <a:endParaRPr lang="zh-CN" altLang="en-US"/>
-                    </a:p>
-                  </a:txBody>
-                  <a:tcPr/>
-                </a:tc>
-              </a:tr>
-              <a:tr h="370840">
-                <a:tc>
-                  <a:txBody>
-                    <a:bodyPr/>
-                    <a:lstStyle/>
-                    <a:p>
-                      <a:endParaRPr lang="zh-CN" altLang="en-US"/>
-                    </a:p>
-                  </a:txBody>
-                  <a:tcPr/>
-                </a:tc>
-                <a:tc>
-                  <a:txBody>
-                    <a:bodyPr/>
-                    <a:lstStyle/>
-                    <a:p>
-                      <a:endParaRPr lang="zh-CN" altLang="en-US"/>
-                    </a:p>
-                  </a:txBody>
-                  <a:tcPr/>
-                </a:tc>
-                <a:tc>
-                  <a:txBody>
-                    <a:bodyPr/>
-                    <a:lstStyle/>
-                    <a:p>
-                      <a:endParaRPr lang="zh-CN" altLang="en-US"/>
-                    </a:p>
-                  </a:txBody>
-                  <a:tcPr/>
-                </a:tc>
-                <a:tc>
-                  <a:txBody>
-                    <a:bodyPr/>
-                    <a:lstStyle/>
-                    <a:p>
-                      <a:endParaRPr lang="zh-CN" altLang="en-US"/>
-                    </a:p>
-                  </a:txBody>
-                  <a:tcPr/>
-                </a:tc>
-              </a:tr>
-              <a:tr h="370840">
-                <a:tc>
-                  <a:txBody>
-                    <a:bodyPr/>
-                    <a:lstStyle/>
-                    <a:p>
-                      <a:endParaRPr lang="zh-CN" altLang="en-US"/>
-                    </a:p>
-                  </a:txBody>
-                  <a:tcPr/>
-                </a:tc>
-                <a:tc>
-                  <a:txBody>
-                    <a:bodyPr/>
-                    <a:lstStyle/>
-                    <a:p>
-                      <a:endParaRPr lang="zh-CN" altLang="en-US"/>
-                    </a:p>
-                  </a:txBody>
-                  <a:tcPr/>
-                </a:tc>
-                <a:tc>
-                  <a:txBody>
-                    <a:bodyPr/>
-                    <a:lstStyle/>
-                    <a:p>
-                      <a:endParaRPr lang="zh-CN" altLang="en-US"/>
-                    </a:p>
-                  </a:txBody>
-                  <a:tcPr/>
-                </a:tc>
-                <a:tc>
-                  <a:txBody>
-                    <a:bodyPr/>
-                    <a:lstStyle/>
-                    <a:p>
-                      <a:endParaRPr lang="zh-CN" altLang="en-US"/>
-                    </a:p>
-                  </a:txBody>
-                  <a:tcPr/>
-                </a:tc>
-              </a:tr>
-            </a:tbl>
-          </a:graphicData>
-        </a:graphic>
-      </p:graphicFrame>
-    </p:spTree>
-  </p:cSld>
-  <p:clrMapOvr>
-    <a:masterClrMapping/>
-  </p:clrMapOvr>
-</p:sld>
-</file>
-
-<file path=ppt/slides/slide7.xml><?xml version="1.0" encoding="utf-8"?>
 <p:sld xmlns:a="http://schemas.openxmlformats.org/drawingml/2006/main" xmlns:r="http://schemas.openxmlformats.org/officeDocument/2006/relationships" xmlns:p="http://schemas.openxmlformats.org/presentationml/2006/main">
   <p:cSld>
     <p:spTree>
@@ -6845,7 +6427,7 @@
     </p:spTree>
     <p:extLst>
       <p:ext uri="{BB962C8B-B14F-4D97-AF65-F5344CB8AC3E}">
-        <p14:creationId xmlns:p14="http://schemas.microsoft.com/office/powerpoint/2010/main" xmlns="" val="503885514"/>
+        <p14:creationId xmlns="" xmlns:p14="http://schemas.microsoft.com/office/powerpoint/2010/main" val="503885514"/>
       </p:ext>
     </p:extLst>
   </p:cSld>
@@ -6855,7 +6437,7 @@
 </p:sld>
 </file>
 
-<file path=ppt/slides/slide8.xml><?xml version="1.0" encoding="utf-8"?>
+<file path=ppt/slides/slide7.xml><?xml version="1.0" encoding="utf-8"?>
 <p:sld xmlns:a="http://schemas.openxmlformats.org/drawingml/2006/main" xmlns:r="http://schemas.openxmlformats.org/officeDocument/2006/relationships" xmlns:p="http://schemas.openxmlformats.org/presentationml/2006/main">
   <p:cSld>
     <p:spTree>
@@ -7085,7 +6667,7 @@
     </p:spTree>
     <p:extLst>
       <p:ext uri="{BB962C8B-B14F-4D97-AF65-F5344CB8AC3E}">
-        <p14:creationId xmlns:p14="http://schemas.microsoft.com/office/powerpoint/2010/main" xmlns="" val="2587325667"/>
+        <p14:creationId xmlns="" xmlns:p14="http://schemas.microsoft.com/office/powerpoint/2010/main" val="2587325667"/>
       </p:ext>
     </p:extLst>
   </p:cSld>
@@ -7095,7 +6677,7 @@
 </p:sld>
 </file>
 
-<file path=ppt/slides/slide9.xml><?xml version="1.0" encoding="utf-8"?>
+<file path=ppt/slides/slide8.xml><?xml version="1.0" encoding="utf-8"?>
 <p:sld xmlns:a="http://schemas.openxmlformats.org/drawingml/2006/main" xmlns:r="http://schemas.openxmlformats.org/officeDocument/2006/relationships" xmlns:p="http://schemas.openxmlformats.org/presentationml/2006/main">
   <p:cSld>
     <p:spTree>
@@ -7339,6 +6921,143 @@
         </a:graphic>
       </p:graphicFrame>
     </p:spTree>
+  </p:cSld>
+  <p:clrMapOvr>
+    <a:masterClrMapping/>
+  </p:clrMapOvr>
+</p:sld>
+</file>
+
+<file path=ppt/slides/slide9.xml><?xml version="1.0" encoding="utf-8"?>
+<p:sld xmlns:a="http://schemas.openxmlformats.org/drawingml/2006/main" xmlns:r="http://schemas.openxmlformats.org/officeDocument/2006/relationships" xmlns:p="http://schemas.openxmlformats.org/presentationml/2006/main">
+  <p:cSld>
+    <p:spTree>
+      <p:nvGrpSpPr>
+        <p:cNvPr id="1" name=""/>
+        <p:cNvGrpSpPr/>
+        <p:nvPr/>
+      </p:nvGrpSpPr>
+      <p:grpSpPr>
+        <a:xfrm>
+          <a:off x="0" y="0"/>
+          <a:ext cx="0" cy="0"/>
+          <a:chOff x="0" y="0"/>
+          <a:chExt cx="0" cy="0"/>
+        </a:xfrm>
+      </p:grpSpPr>
+      <p:sp>
+        <p:nvSpPr>
+          <p:cNvPr id="2" name="标题 1"/>
+          <p:cNvSpPr>
+            <a:spLocks noGrp="1"/>
+          </p:cNvSpPr>
+          <p:nvPr>
+            <p:ph type="title"/>
+          </p:nvPr>
+        </p:nvSpPr>
+        <p:spPr/>
+        <p:txBody>
+          <a:bodyPr/>
+          <a:lstStyle/>
+          <a:p>
+            <a:r>
+              <a:rPr lang="en-US" altLang="zh-CN" dirty="0" smtClean="0"/>
+              <a:t>RA</a:t>
+            </a:r>
+            <a:r>
+              <a:rPr lang="zh-CN" altLang="en-US" dirty="0" smtClean="0"/>
+              <a:t>日结存在的问题</a:t>
+            </a:r>
+            <a:endParaRPr lang="zh-CN" altLang="en-US" dirty="0"/>
+          </a:p>
+        </p:txBody>
+      </p:sp>
+      <p:sp>
+        <p:nvSpPr>
+          <p:cNvPr id="3" name="内容占位符 2"/>
+          <p:cNvSpPr>
+            <a:spLocks noGrp="1"/>
+          </p:cNvSpPr>
+          <p:nvPr>
+            <p:ph idx="1"/>
+          </p:nvPr>
+        </p:nvSpPr>
+        <p:spPr/>
+        <p:txBody>
+          <a:bodyPr/>
+          <a:lstStyle/>
+          <a:p>
+            <a:r>
+              <a:rPr lang="zh-CN" altLang="en-US" dirty="0" smtClean="0">
+                <a:solidFill>
+                  <a:srgbClr val="FF0000"/>
+                </a:solidFill>
+                <a:latin typeface="宋体" panose="02010600030101010101" pitchFamily="2" charset="-122"/>
+                <a:ea typeface="宋体" panose="02010600030101010101" pitchFamily="2" charset="-122"/>
+              </a:rPr>
+              <a:t>大数据量业务运行时间超长。</a:t>
+            </a:r>
+            <a:endParaRPr lang="en-US" altLang="zh-CN" dirty="0" smtClean="0">
+              <a:solidFill>
+                <a:srgbClr val="FF0000"/>
+              </a:solidFill>
+              <a:latin typeface="宋体" panose="02010600030101010101" pitchFamily="2" charset="-122"/>
+              <a:ea typeface="宋体" panose="02010600030101010101" pitchFamily="2" charset="-122"/>
+            </a:endParaRPr>
+          </a:p>
+          <a:p>
+            <a:r>
+              <a:rPr lang="zh-CN" altLang="en-US" dirty="0" smtClean="0">
+                <a:solidFill>
+                  <a:srgbClr val="FF0000"/>
+                </a:solidFill>
+                <a:latin typeface="宋体" panose="02010600030101010101" pitchFamily="2" charset="-122"/>
+                <a:ea typeface="宋体" panose="02010600030101010101" pitchFamily="2" charset="-122"/>
+              </a:rPr>
+              <a:t>早上</a:t>
+            </a:r>
+            <a:r>
+              <a:rPr lang="en-US" altLang="zh-CN" dirty="0" smtClean="0">
+                <a:solidFill>
+                  <a:srgbClr val="FF0000"/>
+                </a:solidFill>
+                <a:latin typeface="宋体" panose="02010600030101010101" pitchFamily="2" charset="-122"/>
+                <a:ea typeface="宋体" panose="02010600030101010101" pitchFamily="2" charset="-122"/>
+              </a:rPr>
+              <a:t>8:20—9:00RA</a:t>
+            </a:r>
+            <a:r>
+              <a:rPr lang="zh-CN" altLang="en-US" dirty="0" smtClean="0">
+                <a:solidFill>
+                  <a:srgbClr val="FF0000"/>
+                </a:solidFill>
+                <a:latin typeface="宋体" panose="02010600030101010101" pitchFamily="2" charset="-122"/>
+                <a:ea typeface="宋体" panose="02010600030101010101" pitchFamily="2" charset="-122"/>
+              </a:rPr>
+              <a:t>使用人数出现峰值</a:t>
+            </a:r>
+            <a:r>
+              <a:rPr lang="en-US" altLang="zh-CN" dirty="0" smtClean="0">
+                <a:solidFill>
+                  <a:srgbClr val="FF0000"/>
+                </a:solidFill>
+                <a:latin typeface="宋体" panose="02010600030101010101" pitchFamily="2" charset="-122"/>
+                <a:ea typeface="宋体" panose="02010600030101010101" pitchFamily="2" charset="-122"/>
+              </a:rPr>
+              <a:t>(400+)</a:t>
+            </a:r>
+          </a:p>
+          <a:p>
+            <a:endParaRPr lang="zh-CN" altLang="en-US" dirty="0"/>
+          </a:p>
+        </p:txBody>
+      </p:sp>
+    </p:spTree>
+    <p:extLst>
+      <p:ext uri="{BB962C8B-B14F-4D97-AF65-F5344CB8AC3E}">
+        <p14:creationId xmlns="" xmlns:p14="http://schemas.microsoft.com/office/powerpoint/2010/main" val="2548660364"/>
+      </p:ext>
+    </p:extLst>
   </p:cSld>
   <p:clrMapOvr>
     <a:masterClrMapping/>
